--- a/lesson.pptx
+++ b/lesson.pptx
@@ -5,7 +5,7 @@
     <p:sldMasterId id="2147483648" r:id="rId1"/>
   </p:sldMasterIdLst>
   <p:notesMasterIdLst>
-    <p:notesMasterId r:id="rId15"/>
+    <p:notesMasterId r:id="rId19"/>
   </p:notesMasterIdLst>
   <p:sldIdLst>
     <p:sldId id="260" r:id="rId2"/>
@@ -16,11 +16,15 @@
     <p:sldId id="297" r:id="rId7"/>
     <p:sldId id="298" r:id="rId8"/>
     <p:sldId id="296" r:id="rId9"/>
-    <p:sldId id="299" r:id="rId10"/>
-    <p:sldId id="300" r:id="rId11"/>
-    <p:sldId id="286" r:id="rId12"/>
-    <p:sldId id="290" r:id="rId13"/>
-    <p:sldId id="293" r:id="rId14"/>
+    <p:sldId id="302" r:id="rId10"/>
+    <p:sldId id="299" r:id="rId11"/>
+    <p:sldId id="300" r:id="rId12"/>
+    <p:sldId id="286" r:id="rId13"/>
+    <p:sldId id="290" r:id="rId14"/>
+    <p:sldId id="293" r:id="rId15"/>
+    <p:sldId id="303" r:id="rId16"/>
+    <p:sldId id="301" r:id="rId17"/>
+    <p:sldId id="304" r:id="rId18"/>
   </p:sldIdLst>
   <p:sldSz cx="9144000" cy="6858000" type="screen4x3"/>
   <p:notesSz cx="6797675" cy="9926638"/>
@@ -2054,54 +2058,59 @@
           <a:p>
             <a:r>
               <a:rPr lang="en-GB" dirty="0" smtClean="0"/>
-              <a:t>Today’s lesson</a:t>
+              <a:t>Quiz!</a:t>
             </a:r>
             <a:endParaRPr lang="en-GB" dirty="0"/>
           </a:p>
         </p:txBody>
       </p:sp>
-      <p:sp>
-        <p:nvSpPr>
-          <p:cNvPr id="5" name="Content Placeholder 4"/>
-          <p:cNvSpPr>
-            <a:spLocks noGrp="1"/>
-          </p:cNvSpPr>
-          <p:nvPr>
-            <p:ph idx="1"/>
-          </p:nvPr>
-        </p:nvSpPr>
-        <p:spPr/>
-        <p:txBody>
-          <a:bodyPr/>
-          <a:lstStyle/>
-          <a:p>
-            <a:r>
-              <a:rPr lang="en-GB" dirty="0" smtClean="0"/>
-              <a:t>Look at how data is stored in a computer</a:t>
-            </a:r>
-          </a:p>
-          <a:p>
-            <a:endParaRPr lang="en-GB" dirty="0" smtClean="0"/>
-          </a:p>
-          <a:p>
-            <a:r>
-              <a:rPr lang="en-GB" dirty="0" smtClean="0"/>
-              <a:t>Understand how image data is stored using a bitmap file</a:t>
-            </a:r>
-            <a:endParaRPr lang="en-GB" dirty="0"/>
-          </a:p>
-        </p:txBody>
-      </p:sp>
+      <p:pic>
+        <p:nvPicPr>
+          <p:cNvPr id="5" name="Picture 4"/>
+          <p:cNvPicPr>
+            <a:picLocks noChangeAspect="1"/>
+          </p:cNvPicPr>
+          <p:nvPr/>
+        </p:nvPicPr>
+        <p:blipFill>
+          <a:blip r:embed="rId2">
+            <a:extLst>
+              <a:ext uri="{28A0092B-C50C-407E-A947-70E740481C1C}">
+                <a14:useLocalDpi xmlns:a14="http://schemas.microsoft.com/office/drawing/2010/main" val="0"/>
+              </a:ext>
+            </a:extLst>
+          </a:blip>
+          <a:stretch>
+            <a:fillRect/>
+          </a:stretch>
+        </p:blipFill>
+        <p:spPr>
+          <a:xfrm>
+            <a:off x="0" y="971278"/>
+            <a:ext cx="9144000" cy="5886722"/>
+          </a:xfrm>
+          <a:prstGeom prst="rect">
+            <a:avLst/>
+          </a:prstGeom>
+        </p:spPr>
+      </p:pic>
     </p:spTree>
     <p:extLst>
       <p:ext uri="{BB962C8B-B14F-4D97-AF65-F5344CB8AC3E}">
-        <p14:creationId xmlns:p14="http://schemas.microsoft.com/office/powerpoint/2010/main" val="3576194917"/>
+        <p14:creationId xmlns:p14="http://schemas.microsoft.com/office/powerpoint/2010/main" val="1979041592"/>
       </p:ext>
     </p:extLst>
   </p:cSld>
   <p:clrMapOvr>
     <a:masterClrMapping/>
   </p:clrMapOvr>
+  <p:timing>
+    <p:tnLst>
+      <p:par>
+        <p:cTn id="1" dur="indefinite" restart="never" nodeType="tmRoot"/>
+      </p:par>
+    </p:tnLst>
+  </p:timing>
 </p:sld>
 </file>
 
@@ -2122,69 +2131,9 @@
           <a:chExt cx="0" cy="0"/>
         </a:xfrm>
       </p:grpSpPr>
-      <p:pic>
-        <p:nvPicPr>
-          <p:cNvPr id="4" name="Picture 3"/>
-          <p:cNvPicPr>
-            <a:picLocks noChangeAspect="1"/>
-          </p:cNvPicPr>
-          <p:nvPr/>
-        </p:nvPicPr>
-        <p:blipFill>
-          <a:blip r:embed="rId2">
-            <a:extLst>
-              <a:ext uri="{28A0092B-C50C-407E-A947-70E740481C1C}">
-                <a14:useLocalDpi xmlns:a14="http://schemas.microsoft.com/office/drawing/2010/main" val="0"/>
-              </a:ext>
-            </a:extLst>
-          </a:blip>
-          <a:stretch>
-            <a:fillRect/>
-          </a:stretch>
-        </p:blipFill>
-        <p:spPr>
-          <a:xfrm>
-            <a:off x="2965059" y="-176981"/>
-            <a:ext cx="6311043" cy="6858000"/>
-          </a:xfrm>
-          <a:prstGeom prst="rect">
-            <a:avLst/>
-          </a:prstGeom>
-        </p:spPr>
-      </p:pic>
-      <p:pic>
-        <p:nvPicPr>
-          <p:cNvPr id="5" name="Picture 4"/>
-          <p:cNvPicPr>
-            <a:picLocks noChangeAspect="1"/>
-          </p:cNvPicPr>
-          <p:nvPr/>
-        </p:nvPicPr>
-        <p:blipFill>
-          <a:blip r:embed="rId3">
-            <a:extLst>
-              <a:ext uri="{28A0092B-C50C-407E-A947-70E740481C1C}">
-                <a14:useLocalDpi xmlns:a14="http://schemas.microsoft.com/office/drawing/2010/main" val="0"/>
-              </a:ext>
-            </a:extLst>
-          </a:blip>
-          <a:stretch>
-            <a:fillRect/>
-          </a:stretch>
-        </p:blipFill>
-        <p:spPr>
-          <a:xfrm>
-            <a:off x="239769" y="2651781"/>
-            <a:ext cx="2971584" cy="2825658"/>
-          </a:xfrm>
-          <a:prstGeom prst="rect">
-            <a:avLst/>
-          </a:prstGeom>
-        </p:spPr>
-      </p:pic>
-      <p:sp>
-        <p:nvSpPr>
-          <p:cNvPr id="6" name="Title 1"/>
+      <p:sp>
+        <p:nvSpPr>
+          <p:cNvPr id="2" name="Title 1"/>
           <p:cNvSpPr>
             <a:spLocks noGrp="1"/>
           </p:cNvSpPr>
@@ -2192,19 +2141,46 @@
             <p:ph type="title"/>
           </p:nvPr>
         </p:nvSpPr>
-        <p:spPr>
-          <a:xfrm>
-            <a:off x="457200" y="274638"/>
-            <a:ext cx="8229600" cy="906753"/>
-          </a:xfrm>
-        </p:spPr>
+        <p:spPr/>
         <p:txBody>
           <a:bodyPr/>
           <a:lstStyle/>
           <a:p>
             <a:r>
               <a:rPr lang="en-GB" dirty="0" smtClean="0"/>
-              <a:t>RGB</a:t>
+              <a:t>Today’s lesson</a:t>
+            </a:r>
+            <a:endParaRPr lang="en-GB" dirty="0"/>
+          </a:p>
+        </p:txBody>
+      </p:sp>
+      <p:sp>
+        <p:nvSpPr>
+          <p:cNvPr id="5" name="Content Placeholder 4"/>
+          <p:cNvSpPr>
+            <a:spLocks noGrp="1"/>
+          </p:cNvSpPr>
+          <p:nvPr>
+            <p:ph idx="1"/>
+          </p:nvPr>
+        </p:nvSpPr>
+        <p:spPr/>
+        <p:txBody>
+          <a:bodyPr/>
+          <a:lstStyle/>
+          <a:p>
+            <a:r>
+              <a:rPr lang="en-GB" dirty="0" smtClean="0"/>
+              <a:t>Look at how data is stored in a computer</a:t>
+            </a:r>
+          </a:p>
+          <a:p>
+            <a:endParaRPr lang="en-GB" dirty="0" smtClean="0"/>
+          </a:p>
+          <a:p>
+            <a:r>
+              <a:rPr lang="en-GB" dirty="0" smtClean="0"/>
+              <a:t>Understand how image data is stored using a bitmap file</a:t>
             </a:r>
             <a:endParaRPr lang="en-GB" dirty="0"/>
           </a:p>
@@ -2213,7 +2189,7 @@
     </p:spTree>
     <p:extLst>
       <p:ext uri="{BB962C8B-B14F-4D97-AF65-F5344CB8AC3E}">
-        <p14:creationId xmlns:p14="http://schemas.microsoft.com/office/powerpoint/2010/main" val="1450074148"/>
+        <p14:creationId xmlns:p14="http://schemas.microsoft.com/office/powerpoint/2010/main" val="3576194917"/>
       </p:ext>
     </p:extLst>
   </p:cSld>
@@ -2292,7 +2268,7 @@
         </p:blipFill>
         <p:spPr>
           <a:xfrm>
-            <a:off x="0" y="3991799"/>
+            <a:off x="239769" y="2651781"/>
             <a:ext cx="2971584" cy="2825658"/>
           </a:xfrm>
           <a:prstGeom prst="rect">
@@ -2317,218 +2293,21 @@
           </a:xfrm>
         </p:spPr>
         <p:txBody>
-          <a:bodyPr>
-            <a:normAutofit fontScale="90000"/>
-          </a:bodyPr>
+          <a:bodyPr/>
           <a:lstStyle/>
           <a:p>
             <a:r>
               <a:rPr lang="en-GB" dirty="0" smtClean="0"/>
-              <a:t>Each pixel:</a:t>
-            </a:r>
-            <a:r>
-              <a:rPr lang="en-GB" dirty="0" smtClean="0"/>
-              <a:t/>
-            </a:r>
-            <a:br>
-              <a:rPr lang="en-GB" dirty="0" smtClean="0"/>
-            </a:br>
-            <a:r>
-              <a:rPr lang="en-GB" dirty="0" smtClean="0"/>
-              <a:t>3 colours, 3 bytes</a:t>
+              <a:t>RGB</a:t>
             </a:r>
             <a:endParaRPr lang="en-GB" dirty="0"/>
-          </a:p>
-        </p:txBody>
-      </p:sp>
-      <p:sp>
-        <p:nvSpPr>
-          <p:cNvPr id="7" name="Rectangle 6"/>
-          <p:cNvSpPr/>
-          <p:nvPr/>
-        </p:nvSpPr>
-        <p:spPr>
-          <a:xfrm>
-            <a:off x="346986" y="1171345"/>
-            <a:ext cx="2993128" cy="923330"/>
-          </a:xfrm>
-          <a:prstGeom prst="rect">
-            <a:avLst/>
-          </a:prstGeom>
-          <a:noFill/>
-        </p:spPr>
-        <p:txBody>
-          <a:bodyPr wrap="none" lIns="91440" tIns="45720" rIns="91440" bIns="45720">
-            <a:spAutoFit/>
-          </a:bodyPr>
-          <a:lstStyle/>
-          <a:p>
-            <a:pPr algn="ctr"/>
-            <a:r>
-              <a:rPr lang="en-US" sz="5400" b="1" dirty="0" smtClean="0">
-                <a:ln w="22225">
-                  <a:solidFill>
-                    <a:srgbClr val="C00000"/>
-                  </a:solidFill>
-                  <a:prstDash val="solid"/>
-                </a:ln>
-                <a:solidFill>
-                  <a:srgbClr val="FF0000"/>
-                </a:solidFill>
-              </a:rPr>
-              <a:t>1</a:t>
-            </a:r>
-            <a:r>
-              <a:rPr lang="en-US" sz="5400" b="1" cap="none" spc="0" dirty="0" smtClean="0">
-                <a:ln w="22225">
-                  <a:solidFill>
-                    <a:srgbClr val="C00000"/>
-                  </a:solidFill>
-                  <a:prstDash val="solid"/>
-                </a:ln>
-                <a:solidFill>
-                  <a:srgbClr val="FF0000"/>
-                </a:solidFill>
-                <a:effectLst/>
-              </a:rPr>
-              <a:t>1111100</a:t>
-            </a:r>
-            <a:endParaRPr lang="en-US" sz="5400" b="1" cap="none" spc="0" dirty="0">
-              <a:ln w="22225">
-                <a:solidFill>
-                  <a:srgbClr val="C00000"/>
-                </a:solidFill>
-                <a:prstDash val="solid"/>
-              </a:ln>
-              <a:solidFill>
-                <a:srgbClr val="FF0000"/>
-              </a:solidFill>
-              <a:effectLst/>
-            </a:endParaRPr>
-          </a:p>
-        </p:txBody>
-      </p:sp>
-      <p:sp>
-        <p:nvSpPr>
-          <p:cNvPr id="8" name="Rectangle 7"/>
-          <p:cNvSpPr/>
-          <p:nvPr/>
-        </p:nvSpPr>
-        <p:spPr>
-          <a:xfrm>
-            <a:off x="346985" y="1911563"/>
-            <a:ext cx="2993128" cy="923330"/>
-          </a:xfrm>
-          <a:prstGeom prst="rect">
-            <a:avLst/>
-          </a:prstGeom>
-          <a:noFill/>
-        </p:spPr>
-        <p:txBody>
-          <a:bodyPr wrap="none" lIns="91440" tIns="45720" rIns="91440" bIns="45720">
-            <a:spAutoFit/>
-          </a:bodyPr>
-          <a:lstStyle/>
-          <a:p>
-            <a:pPr algn="ctr"/>
-            <a:r>
-              <a:rPr lang="en-US" sz="5400" b="1" dirty="0" smtClean="0">
-                <a:ln w="22225">
-                  <a:solidFill>
-                    <a:schemeClr val="accent2"/>
-                  </a:solidFill>
-                  <a:prstDash val="solid"/>
-                </a:ln>
-                <a:solidFill>
-                  <a:schemeClr val="accent2">
-                    <a:lumMod val="40000"/>
-                    <a:lumOff val="60000"/>
-                  </a:schemeClr>
-                </a:solidFill>
-              </a:rPr>
-              <a:t>11111100</a:t>
-            </a:r>
-            <a:endParaRPr lang="en-US" sz="5400" b="1" cap="none" spc="0" dirty="0">
-              <a:ln w="22225">
-                <a:solidFill>
-                  <a:schemeClr val="accent2"/>
-                </a:solidFill>
-                <a:prstDash val="solid"/>
-              </a:ln>
-              <a:solidFill>
-                <a:schemeClr val="accent2">
-                  <a:lumMod val="40000"/>
-                  <a:lumOff val="60000"/>
-                </a:schemeClr>
-              </a:solidFill>
-              <a:effectLst/>
-            </a:endParaRPr>
-          </a:p>
-        </p:txBody>
-      </p:sp>
-      <p:sp>
-        <p:nvSpPr>
-          <p:cNvPr id="9" name="Rectangle 8"/>
-          <p:cNvSpPr/>
-          <p:nvPr/>
-        </p:nvSpPr>
-        <p:spPr>
-          <a:xfrm>
-            <a:off x="346986" y="2659155"/>
-            <a:ext cx="2993128" cy="923330"/>
-          </a:xfrm>
-          <a:prstGeom prst="rect">
-            <a:avLst/>
-          </a:prstGeom>
-          <a:noFill/>
-        </p:spPr>
-        <p:txBody>
-          <a:bodyPr wrap="none" lIns="91440" tIns="45720" rIns="91440" bIns="45720">
-            <a:spAutoFit/>
-          </a:bodyPr>
-          <a:lstStyle/>
-          <a:p>
-            <a:pPr algn="ctr"/>
-            <a:r>
-              <a:rPr lang="en-US" sz="5400" b="1" cap="none" spc="0" dirty="0" smtClean="0">
-                <a:ln w="22225">
-                  <a:solidFill>
-                    <a:srgbClr val="002060"/>
-                  </a:solidFill>
-                  <a:prstDash val="solid"/>
-                </a:ln>
-                <a:solidFill>
-                  <a:schemeClr val="bg2">
-                    <a:lumMod val="50000"/>
-                    <a:lumOff val="50000"/>
-                  </a:schemeClr>
-                </a:solidFill>
-                <a:effectLst/>
-              </a:rPr>
-              <a:t>00000000</a:t>
-            </a:r>
-            <a:endParaRPr lang="en-US" sz="5400" b="1" cap="none" spc="0" dirty="0">
-              <a:ln w="22225">
-                <a:solidFill>
-                  <a:srgbClr val="002060"/>
-                </a:solidFill>
-                <a:prstDash val="solid"/>
-              </a:ln>
-              <a:solidFill>
-                <a:schemeClr val="bg2">
-                  <a:lumMod val="50000"/>
-                  <a:lumOff val="50000"/>
-                </a:schemeClr>
-              </a:solidFill>
-              <a:effectLst/>
-            </a:endParaRPr>
           </a:p>
         </p:txBody>
       </p:sp>
     </p:spTree>
     <p:extLst>
       <p:ext uri="{BB962C8B-B14F-4D97-AF65-F5344CB8AC3E}">
-        <p14:creationId xmlns:p14="http://schemas.microsoft.com/office/powerpoint/2010/main" val="2087467541"/>
+        <p14:creationId xmlns:p14="http://schemas.microsoft.com/office/powerpoint/2010/main" val="1450074148"/>
       </p:ext>
     </p:extLst>
   </p:cSld>
@@ -2555,6 +2334,317 @@
           <a:chExt cx="0" cy="0"/>
         </a:xfrm>
       </p:grpSpPr>
+      <p:pic>
+        <p:nvPicPr>
+          <p:cNvPr id="4" name="Picture 3"/>
+          <p:cNvPicPr>
+            <a:picLocks noChangeAspect="1"/>
+          </p:cNvPicPr>
+          <p:nvPr/>
+        </p:nvPicPr>
+        <p:blipFill>
+          <a:blip r:embed="rId2">
+            <a:extLst>
+              <a:ext uri="{28A0092B-C50C-407E-A947-70E740481C1C}">
+                <a14:useLocalDpi xmlns:a14="http://schemas.microsoft.com/office/drawing/2010/main" val="0"/>
+              </a:ext>
+            </a:extLst>
+          </a:blip>
+          <a:stretch>
+            <a:fillRect/>
+          </a:stretch>
+        </p:blipFill>
+        <p:spPr>
+          <a:xfrm>
+            <a:off x="2965059" y="-176981"/>
+            <a:ext cx="6311043" cy="6858000"/>
+          </a:xfrm>
+          <a:prstGeom prst="rect">
+            <a:avLst/>
+          </a:prstGeom>
+        </p:spPr>
+      </p:pic>
+      <p:pic>
+        <p:nvPicPr>
+          <p:cNvPr id="5" name="Picture 4"/>
+          <p:cNvPicPr>
+            <a:picLocks noChangeAspect="1"/>
+          </p:cNvPicPr>
+          <p:nvPr/>
+        </p:nvPicPr>
+        <p:blipFill>
+          <a:blip r:embed="rId3">
+            <a:extLst>
+              <a:ext uri="{28A0092B-C50C-407E-A947-70E740481C1C}">
+                <a14:useLocalDpi xmlns:a14="http://schemas.microsoft.com/office/drawing/2010/main" val="0"/>
+              </a:ext>
+            </a:extLst>
+          </a:blip>
+          <a:stretch>
+            <a:fillRect/>
+          </a:stretch>
+        </p:blipFill>
+        <p:spPr>
+          <a:xfrm>
+            <a:off x="0" y="3991799"/>
+            <a:ext cx="2971584" cy="2825658"/>
+          </a:xfrm>
+          <a:prstGeom prst="rect">
+            <a:avLst/>
+          </a:prstGeom>
+        </p:spPr>
+      </p:pic>
+      <p:sp>
+        <p:nvSpPr>
+          <p:cNvPr id="6" name="Title 1"/>
+          <p:cNvSpPr>
+            <a:spLocks noGrp="1"/>
+          </p:cNvSpPr>
+          <p:nvPr>
+            <p:ph type="title"/>
+          </p:nvPr>
+        </p:nvSpPr>
+        <p:spPr>
+          <a:xfrm>
+            <a:off x="457200" y="274638"/>
+            <a:ext cx="8229600" cy="906753"/>
+          </a:xfrm>
+        </p:spPr>
+        <p:txBody>
+          <a:bodyPr>
+            <a:normAutofit fontScale="90000"/>
+          </a:bodyPr>
+          <a:lstStyle/>
+          <a:p>
+            <a:r>
+              <a:rPr lang="en-GB" dirty="0" smtClean="0"/>
+              <a:t>Each pixel:</a:t>
+            </a:r>
+            <a:br>
+              <a:rPr lang="en-GB" dirty="0" smtClean="0"/>
+            </a:br>
+            <a:r>
+              <a:rPr lang="en-GB" dirty="0" smtClean="0"/>
+              <a:t>3 colours, 3 bytes</a:t>
+            </a:r>
+            <a:endParaRPr lang="en-GB" dirty="0"/>
+          </a:p>
+        </p:txBody>
+      </p:sp>
+      <p:sp>
+        <p:nvSpPr>
+          <p:cNvPr id="7" name="Rectangle 6"/>
+          <p:cNvSpPr/>
+          <p:nvPr/>
+        </p:nvSpPr>
+        <p:spPr>
+          <a:xfrm>
+            <a:off x="346986" y="1171345"/>
+            <a:ext cx="2993128" cy="923330"/>
+          </a:xfrm>
+          <a:prstGeom prst="rect">
+            <a:avLst/>
+          </a:prstGeom>
+          <a:noFill/>
+        </p:spPr>
+        <p:txBody>
+          <a:bodyPr wrap="none" lIns="91440" tIns="45720" rIns="91440" bIns="45720">
+            <a:spAutoFit/>
+          </a:bodyPr>
+          <a:lstStyle/>
+          <a:p>
+            <a:pPr algn="ctr"/>
+            <a:r>
+              <a:rPr lang="en-US" sz="5400" b="1" dirty="0" smtClean="0">
+                <a:ln w="22225">
+                  <a:solidFill>
+                    <a:srgbClr val="C00000"/>
+                  </a:solidFill>
+                  <a:prstDash val="solid"/>
+                </a:ln>
+                <a:solidFill>
+                  <a:srgbClr val="FF0000"/>
+                </a:solidFill>
+              </a:rPr>
+              <a:t>1</a:t>
+            </a:r>
+            <a:r>
+              <a:rPr lang="en-US" sz="5400" b="1" cap="none" spc="0" dirty="0" smtClean="0">
+                <a:ln w="22225">
+                  <a:solidFill>
+                    <a:srgbClr val="C00000"/>
+                  </a:solidFill>
+                  <a:prstDash val="solid"/>
+                </a:ln>
+                <a:solidFill>
+                  <a:srgbClr val="FF0000"/>
+                </a:solidFill>
+                <a:effectLst/>
+              </a:rPr>
+              <a:t>1111100</a:t>
+            </a:r>
+            <a:endParaRPr lang="en-US" sz="5400" b="1" cap="none" spc="0" dirty="0">
+              <a:ln w="22225">
+                <a:solidFill>
+                  <a:srgbClr val="C00000"/>
+                </a:solidFill>
+                <a:prstDash val="solid"/>
+              </a:ln>
+              <a:solidFill>
+                <a:srgbClr val="FF0000"/>
+              </a:solidFill>
+              <a:effectLst/>
+            </a:endParaRPr>
+          </a:p>
+        </p:txBody>
+      </p:sp>
+      <p:sp>
+        <p:nvSpPr>
+          <p:cNvPr id="8" name="Rectangle 7"/>
+          <p:cNvSpPr/>
+          <p:nvPr/>
+        </p:nvSpPr>
+        <p:spPr>
+          <a:xfrm>
+            <a:off x="346985" y="1911563"/>
+            <a:ext cx="2993128" cy="923330"/>
+          </a:xfrm>
+          <a:prstGeom prst="rect">
+            <a:avLst/>
+          </a:prstGeom>
+          <a:noFill/>
+        </p:spPr>
+        <p:txBody>
+          <a:bodyPr wrap="none" lIns="91440" tIns="45720" rIns="91440" bIns="45720">
+            <a:spAutoFit/>
+          </a:bodyPr>
+          <a:lstStyle/>
+          <a:p>
+            <a:pPr algn="ctr"/>
+            <a:r>
+              <a:rPr lang="en-US" sz="5400" b="1" dirty="0" smtClean="0">
+                <a:ln w="22225">
+                  <a:solidFill>
+                    <a:schemeClr val="accent2"/>
+                  </a:solidFill>
+                  <a:prstDash val="solid"/>
+                </a:ln>
+                <a:solidFill>
+                  <a:schemeClr val="accent2">
+                    <a:lumMod val="40000"/>
+                    <a:lumOff val="60000"/>
+                  </a:schemeClr>
+                </a:solidFill>
+              </a:rPr>
+              <a:t>11111100</a:t>
+            </a:r>
+            <a:endParaRPr lang="en-US" sz="5400" b="1" cap="none" spc="0" dirty="0">
+              <a:ln w="22225">
+                <a:solidFill>
+                  <a:schemeClr val="accent2"/>
+                </a:solidFill>
+                <a:prstDash val="solid"/>
+              </a:ln>
+              <a:solidFill>
+                <a:schemeClr val="accent2">
+                  <a:lumMod val="40000"/>
+                  <a:lumOff val="60000"/>
+                </a:schemeClr>
+              </a:solidFill>
+              <a:effectLst/>
+            </a:endParaRPr>
+          </a:p>
+        </p:txBody>
+      </p:sp>
+      <p:sp>
+        <p:nvSpPr>
+          <p:cNvPr id="9" name="Rectangle 8"/>
+          <p:cNvSpPr/>
+          <p:nvPr/>
+        </p:nvSpPr>
+        <p:spPr>
+          <a:xfrm>
+            <a:off x="346986" y="2659155"/>
+            <a:ext cx="2993128" cy="923330"/>
+          </a:xfrm>
+          <a:prstGeom prst="rect">
+            <a:avLst/>
+          </a:prstGeom>
+          <a:noFill/>
+        </p:spPr>
+        <p:txBody>
+          <a:bodyPr wrap="none" lIns="91440" tIns="45720" rIns="91440" bIns="45720">
+            <a:spAutoFit/>
+          </a:bodyPr>
+          <a:lstStyle/>
+          <a:p>
+            <a:pPr algn="ctr"/>
+            <a:r>
+              <a:rPr lang="en-US" sz="5400" b="1" cap="none" spc="0" dirty="0" smtClean="0">
+                <a:ln w="22225">
+                  <a:solidFill>
+                    <a:srgbClr val="002060"/>
+                  </a:solidFill>
+                  <a:prstDash val="solid"/>
+                </a:ln>
+                <a:solidFill>
+                  <a:schemeClr val="bg2">
+                    <a:lumMod val="50000"/>
+                    <a:lumOff val="50000"/>
+                  </a:schemeClr>
+                </a:solidFill>
+                <a:effectLst/>
+              </a:rPr>
+              <a:t>00000000</a:t>
+            </a:r>
+            <a:endParaRPr lang="en-US" sz="5400" b="1" cap="none" spc="0" dirty="0">
+              <a:ln w="22225">
+                <a:solidFill>
+                  <a:srgbClr val="002060"/>
+                </a:solidFill>
+                <a:prstDash val="solid"/>
+              </a:ln>
+              <a:solidFill>
+                <a:schemeClr val="bg2">
+                  <a:lumMod val="50000"/>
+                  <a:lumOff val="50000"/>
+                </a:schemeClr>
+              </a:solidFill>
+              <a:effectLst/>
+            </a:endParaRPr>
+          </a:p>
+        </p:txBody>
+      </p:sp>
+    </p:spTree>
+    <p:extLst>
+      <p:ext uri="{BB962C8B-B14F-4D97-AF65-F5344CB8AC3E}">
+        <p14:creationId xmlns:p14="http://schemas.microsoft.com/office/powerpoint/2010/main" val="2087467541"/>
+      </p:ext>
+    </p:extLst>
+  </p:cSld>
+  <p:clrMapOvr>
+    <a:masterClrMapping/>
+  </p:clrMapOvr>
+</p:sld>
+</file>
+
+<file path=ppt/slides/slide14.xml><?xml version="1.0" encoding="utf-8"?>
+<p:sld xmlns:a="http://schemas.openxmlformats.org/drawingml/2006/main" xmlns:r="http://schemas.openxmlformats.org/officeDocument/2006/relationships" xmlns:p="http://schemas.openxmlformats.org/presentationml/2006/main">
+  <p:cSld>
+    <p:spTree>
+      <p:nvGrpSpPr>
+        <p:cNvPr id="1" name=""/>
+        <p:cNvGrpSpPr/>
+        <p:nvPr/>
+      </p:nvGrpSpPr>
+      <p:grpSpPr>
+        <a:xfrm>
+          <a:off x="0" y="0"/>
+          <a:ext cx="0" cy="0"/>
+          <a:chOff x="0" y="0"/>
+          <a:chExt cx="0" cy="0"/>
+        </a:xfrm>
+      </p:grpSpPr>
       <p:sp>
         <p:nvSpPr>
           <p:cNvPr id="2" name="Title 1"/>
@@ -2573,58 +2663,6 @@
             <a:r>
               <a:rPr lang="en-GB" dirty="0" smtClean="0"/>
               <a:t>Task</a:t>
-            </a:r>
-            <a:endParaRPr lang="en-GB" dirty="0"/>
-          </a:p>
-        </p:txBody>
-      </p:sp>
-      <p:sp>
-        <p:nvSpPr>
-          <p:cNvPr id="3" name="Content Placeholder 2"/>
-          <p:cNvSpPr>
-            <a:spLocks noGrp="1"/>
-          </p:cNvSpPr>
-          <p:nvPr>
-            <p:ph sz="half" idx="1"/>
-          </p:nvPr>
-        </p:nvSpPr>
-        <p:spPr/>
-        <p:txBody>
-          <a:bodyPr>
-            <a:normAutofit/>
-          </a:bodyPr>
-          <a:lstStyle/>
-          <a:p>
-            <a:r>
-              <a:rPr lang="en-GB" dirty="0" smtClean="0"/>
-              <a:t>Use </a:t>
-            </a:r>
-            <a:r>
-              <a:rPr lang="en-GB" b="1" dirty="0" smtClean="0"/>
-              <a:t>paint</a:t>
-            </a:r>
-            <a:r>
-              <a:rPr lang="en-GB" dirty="0" smtClean="0"/>
-              <a:t> to open bunny.bmp from the Unit 1 folder</a:t>
-            </a:r>
-            <a:endParaRPr lang="en-GB" b="1" dirty="0" smtClean="0"/>
-          </a:p>
-          <a:p>
-            <a:endParaRPr lang="en-GB" dirty="0"/>
-          </a:p>
-          <a:p>
-            <a:r>
-              <a:rPr lang="en-GB" dirty="0" smtClean="0"/>
-              <a:t>Zoom to see the pixels</a:t>
-            </a:r>
-          </a:p>
-          <a:p>
-            <a:endParaRPr lang="en-GB" dirty="0"/>
-          </a:p>
-          <a:p>
-            <a:r>
-              <a:rPr lang="en-GB" dirty="0" smtClean="0"/>
-              <a:t>Click on different pixels to see the colour values</a:t>
             </a:r>
             <a:endParaRPr lang="en-GB" dirty="0"/>
           </a:p>
@@ -2654,11 +2692,64 @@
         </p:blipFill>
         <p:spPr>
           <a:xfrm>
-            <a:off x="4854213" y="1187450"/>
+            <a:off x="5666715" y="2332037"/>
             <a:ext cx="3626573" cy="4525963"/>
           </a:xfrm>
         </p:spPr>
       </p:pic>
+      <p:sp>
+        <p:nvSpPr>
+          <p:cNvPr id="3" name="Content Placeholder 2"/>
+          <p:cNvSpPr>
+            <a:spLocks noGrp="1"/>
+          </p:cNvSpPr>
+          <p:nvPr>
+            <p:ph sz="half" idx="1"/>
+          </p:nvPr>
+        </p:nvSpPr>
+        <p:spPr>
+          <a:xfrm>
+            <a:off x="457199" y="1187414"/>
+            <a:ext cx="7455159" cy="4525963"/>
+          </a:xfrm>
+        </p:spPr>
+        <p:txBody>
+          <a:bodyPr>
+            <a:normAutofit/>
+          </a:bodyPr>
+          <a:lstStyle/>
+          <a:p>
+            <a:r>
+              <a:rPr lang="en-GB" dirty="0" smtClean="0"/>
+              <a:t>Go to www.onlinehexeditor.com</a:t>
+            </a:r>
+          </a:p>
+          <a:p>
+            <a:endParaRPr lang="en-GB" dirty="0" smtClean="0"/>
+          </a:p>
+          <a:p>
+            <a:r>
+              <a:rPr lang="en-GB" dirty="0" smtClean="0"/>
+              <a:t>Open </a:t>
+            </a:r>
+            <a:r>
+              <a:rPr lang="en-GB" i="1" dirty="0" smtClean="0"/>
+              <a:t>bunny.bmp</a:t>
+            </a:r>
+            <a:endParaRPr lang="en-GB" dirty="0" smtClean="0"/>
+          </a:p>
+          <a:p>
+            <a:endParaRPr lang="en-GB" dirty="0"/>
+          </a:p>
+          <a:p>
+            <a:r>
+              <a:rPr lang="en-GB" b="1" dirty="0" smtClean="0"/>
+              <a:t>What do you see?</a:t>
+            </a:r>
+            <a:endParaRPr lang="en-GB" b="1" dirty="0"/>
+          </a:p>
+        </p:txBody>
+      </p:sp>
     </p:spTree>
     <p:extLst>
       <p:ext uri="{BB962C8B-B14F-4D97-AF65-F5344CB8AC3E}">
@@ -2676,6 +2767,337 @@
       </p:par>
     </p:tnLst>
   </p:timing>
+</p:sld>
+</file>
+
+<file path=ppt/slides/slide15.xml><?xml version="1.0" encoding="utf-8"?>
+<p:sld xmlns:a="http://schemas.openxmlformats.org/drawingml/2006/main" xmlns:r="http://schemas.openxmlformats.org/officeDocument/2006/relationships" xmlns:p="http://schemas.openxmlformats.org/presentationml/2006/main">
+  <p:cSld>
+    <p:spTree>
+      <p:nvGrpSpPr>
+        <p:cNvPr id="1" name=""/>
+        <p:cNvGrpSpPr/>
+        <p:nvPr/>
+      </p:nvGrpSpPr>
+      <p:grpSpPr>
+        <a:xfrm>
+          <a:off x="0" y="0"/>
+          <a:ext cx="0" cy="0"/>
+          <a:chOff x="0" y="0"/>
+          <a:chExt cx="0" cy="0"/>
+        </a:xfrm>
+      </p:grpSpPr>
+      <p:sp>
+        <p:nvSpPr>
+          <p:cNvPr id="2" name="Title 1"/>
+          <p:cNvSpPr>
+            <a:spLocks noGrp="1"/>
+          </p:cNvSpPr>
+          <p:nvPr>
+            <p:ph type="title"/>
+          </p:nvPr>
+        </p:nvSpPr>
+        <p:spPr/>
+        <p:txBody>
+          <a:bodyPr/>
+          <a:lstStyle/>
+          <a:p>
+            <a:r>
+              <a:rPr lang="en-GB" dirty="0" smtClean="0"/>
+              <a:t>Things about bitmaps</a:t>
+            </a:r>
+            <a:endParaRPr lang="en-GB" dirty="0"/>
+          </a:p>
+        </p:txBody>
+      </p:sp>
+      <p:sp>
+        <p:nvSpPr>
+          <p:cNvPr id="5" name="Content Placeholder 4"/>
+          <p:cNvSpPr>
+            <a:spLocks noGrp="1"/>
+          </p:cNvSpPr>
+          <p:nvPr>
+            <p:ph idx="1"/>
+          </p:nvPr>
+        </p:nvSpPr>
+        <p:spPr/>
+        <p:txBody>
+          <a:bodyPr/>
+          <a:lstStyle/>
+          <a:p>
+            <a:r>
+              <a:rPr lang="en-GB" dirty="0" smtClean="0"/>
+              <a:t>Pixels are tiny so you cannot see them</a:t>
+            </a:r>
+          </a:p>
+          <a:p>
+            <a:r>
+              <a:rPr lang="en-GB" dirty="0" smtClean="0"/>
+              <a:t>Means storing lots of pixels, so lots of data</a:t>
+            </a:r>
+          </a:p>
+          <a:p>
+            <a:r>
+              <a:rPr lang="en-GB" dirty="0" smtClean="0"/>
+              <a:t>A lot of this data is </a:t>
+            </a:r>
+            <a:r>
+              <a:rPr lang="en-GB" b="1" i="1" dirty="0" smtClean="0"/>
+              <a:t>redundant</a:t>
+            </a:r>
+          </a:p>
+          <a:p>
+            <a:pPr lvl="1"/>
+            <a:r>
+              <a:rPr lang="en-GB" dirty="0" smtClean="0"/>
+              <a:t>this means data can be compressed</a:t>
+            </a:r>
+          </a:p>
+          <a:p>
+            <a:pPr lvl="1"/>
+            <a:r>
+              <a:rPr lang="en-GB" dirty="0" smtClean="0"/>
+              <a:t>it also means we can do something a bit funky…</a:t>
+            </a:r>
+            <a:endParaRPr lang="en-GB" dirty="0"/>
+          </a:p>
+        </p:txBody>
+      </p:sp>
+    </p:spTree>
+    <p:extLst>
+      <p:ext uri="{BB962C8B-B14F-4D97-AF65-F5344CB8AC3E}">
+        <p14:creationId xmlns:p14="http://schemas.microsoft.com/office/powerpoint/2010/main" val="1737958039"/>
+      </p:ext>
+    </p:extLst>
+  </p:cSld>
+  <p:clrMapOvr>
+    <a:masterClrMapping/>
+  </p:clrMapOvr>
+</p:sld>
+</file>
+
+<file path=ppt/slides/slide16.xml><?xml version="1.0" encoding="utf-8"?>
+<p:sld xmlns:a="http://schemas.openxmlformats.org/drawingml/2006/main" xmlns:r="http://schemas.openxmlformats.org/officeDocument/2006/relationships" xmlns:p="http://schemas.openxmlformats.org/presentationml/2006/main">
+  <p:cSld>
+    <p:spTree>
+      <p:nvGrpSpPr>
+        <p:cNvPr id="1" name=""/>
+        <p:cNvGrpSpPr/>
+        <p:nvPr/>
+      </p:nvGrpSpPr>
+      <p:grpSpPr>
+        <a:xfrm>
+          <a:off x="0" y="0"/>
+          <a:ext cx="0" cy="0"/>
+          <a:chOff x="0" y="0"/>
+          <a:chExt cx="0" cy="0"/>
+        </a:xfrm>
+      </p:grpSpPr>
+      <p:sp>
+        <p:nvSpPr>
+          <p:cNvPr id="2" name="Title 1"/>
+          <p:cNvSpPr>
+            <a:spLocks noGrp="1"/>
+          </p:cNvSpPr>
+          <p:nvPr>
+            <p:ph type="title"/>
+          </p:nvPr>
+        </p:nvSpPr>
+        <p:spPr/>
+        <p:txBody>
+          <a:bodyPr/>
+          <a:lstStyle/>
+          <a:p>
+            <a:r>
+              <a:rPr lang="en-GB" dirty="0" smtClean="0"/>
+              <a:t>Task 2</a:t>
+            </a:r>
+            <a:endParaRPr lang="en-GB" dirty="0"/>
+          </a:p>
+        </p:txBody>
+      </p:sp>
+      <p:sp>
+        <p:nvSpPr>
+          <p:cNvPr id="5" name="Content Placeholder 4"/>
+          <p:cNvSpPr>
+            <a:spLocks noGrp="1"/>
+          </p:cNvSpPr>
+          <p:nvPr>
+            <p:ph idx="1"/>
+          </p:nvPr>
+        </p:nvSpPr>
+        <p:spPr/>
+        <p:txBody>
+          <a:bodyPr/>
+          <a:lstStyle/>
+          <a:p>
+            <a:r>
+              <a:rPr lang="en-GB" dirty="0" smtClean="0"/>
+              <a:t>Have a look at </a:t>
+            </a:r>
+            <a:r>
+              <a:rPr lang="en-GB" i="1" dirty="0" smtClean="0"/>
+              <a:t>steno.py</a:t>
+            </a:r>
+            <a:r>
+              <a:rPr lang="en-GB" dirty="0" smtClean="0"/>
+              <a:t> – what is it going to do?</a:t>
+            </a:r>
+          </a:p>
+          <a:p>
+            <a:endParaRPr lang="en-GB" dirty="0"/>
+          </a:p>
+          <a:p>
+            <a:r>
+              <a:rPr lang="en-GB" dirty="0" smtClean="0"/>
+              <a:t>Run it</a:t>
+            </a:r>
+          </a:p>
+          <a:p>
+            <a:endParaRPr lang="en-GB" dirty="0"/>
+          </a:p>
+          <a:p>
+            <a:r>
+              <a:rPr lang="en-GB" dirty="0" smtClean="0"/>
+              <a:t>Look at </a:t>
+            </a:r>
+            <a:r>
+              <a:rPr lang="en-GB" i="1" dirty="0" smtClean="0"/>
+              <a:t>newbunny.bmp</a:t>
+            </a:r>
+            <a:r>
+              <a:rPr lang="en-GB" dirty="0" smtClean="0"/>
+              <a:t> file – what do you see?</a:t>
+            </a:r>
+          </a:p>
+          <a:p>
+            <a:endParaRPr lang="en-GB" dirty="0"/>
+          </a:p>
+          <a:p>
+            <a:r>
+              <a:rPr lang="en-GB" dirty="0" smtClean="0"/>
+              <a:t>Go back to onlinehexeditor.com and open up </a:t>
+            </a:r>
+            <a:r>
+              <a:rPr lang="en-GB" i="1" dirty="0" smtClean="0"/>
+              <a:t>newbunny.bmp </a:t>
+            </a:r>
+            <a:r>
+              <a:rPr lang="en-GB" dirty="0" smtClean="0"/>
+              <a:t>– what do you see?</a:t>
+            </a:r>
+            <a:endParaRPr lang="en-GB" dirty="0"/>
+          </a:p>
+        </p:txBody>
+      </p:sp>
+    </p:spTree>
+    <p:extLst>
+      <p:ext uri="{BB962C8B-B14F-4D97-AF65-F5344CB8AC3E}">
+        <p14:creationId xmlns:p14="http://schemas.microsoft.com/office/powerpoint/2010/main" val="3108164554"/>
+      </p:ext>
+    </p:extLst>
+  </p:cSld>
+  <p:clrMapOvr>
+    <a:masterClrMapping/>
+  </p:clrMapOvr>
+</p:sld>
+</file>
+
+<file path=ppt/slides/slide17.xml><?xml version="1.0" encoding="utf-8"?>
+<p:sld xmlns:a="http://schemas.openxmlformats.org/drawingml/2006/main" xmlns:r="http://schemas.openxmlformats.org/officeDocument/2006/relationships" xmlns:p="http://schemas.openxmlformats.org/presentationml/2006/main">
+  <p:cSld>
+    <p:spTree>
+      <p:nvGrpSpPr>
+        <p:cNvPr id="1" name=""/>
+        <p:cNvGrpSpPr/>
+        <p:nvPr/>
+      </p:nvGrpSpPr>
+      <p:grpSpPr>
+        <a:xfrm>
+          <a:off x="0" y="0"/>
+          <a:ext cx="0" cy="0"/>
+          <a:chOff x="0" y="0"/>
+          <a:chExt cx="0" cy="0"/>
+        </a:xfrm>
+      </p:grpSpPr>
+      <p:sp>
+        <p:nvSpPr>
+          <p:cNvPr id="2" name="Title 1"/>
+          <p:cNvSpPr>
+            <a:spLocks noGrp="1"/>
+          </p:cNvSpPr>
+          <p:nvPr>
+            <p:ph type="title"/>
+          </p:nvPr>
+        </p:nvSpPr>
+        <p:spPr/>
+        <p:txBody>
+          <a:bodyPr/>
+          <a:lstStyle/>
+          <a:p>
+            <a:r>
+              <a:rPr lang="en-GB" dirty="0" smtClean="0"/>
+              <a:t>Summary</a:t>
+            </a:r>
+            <a:endParaRPr lang="en-GB" dirty="0"/>
+          </a:p>
+        </p:txBody>
+      </p:sp>
+      <p:sp>
+        <p:nvSpPr>
+          <p:cNvPr id="3" name="Content Placeholder 2"/>
+          <p:cNvSpPr>
+            <a:spLocks noGrp="1"/>
+          </p:cNvSpPr>
+          <p:nvPr>
+            <p:ph idx="1"/>
+          </p:nvPr>
+        </p:nvSpPr>
+        <p:spPr/>
+        <p:txBody>
+          <a:bodyPr/>
+          <a:lstStyle/>
+          <a:p>
+            <a:r>
+              <a:rPr lang="en-GB" dirty="0" smtClean="0"/>
+              <a:t>All data is binary</a:t>
+            </a:r>
+          </a:p>
+          <a:p>
+            <a:r>
+              <a:rPr lang="en-GB" dirty="0" smtClean="0"/>
+              <a:t>Image data can be stored as a bitmap of pixels each with an RGB value =&gt; 3 bytes</a:t>
+            </a:r>
+          </a:p>
+          <a:p>
+            <a:r>
+              <a:rPr lang="en-GB" dirty="0" smtClean="0"/>
+              <a:t>Bitmap images have redundant data</a:t>
+            </a:r>
+          </a:p>
+          <a:p>
+            <a:r>
+              <a:rPr lang="en-GB" dirty="0" smtClean="0"/>
+              <a:t>We can use redundant data to hide secret </a:t>
+            </a:r>
+            <a:r>
+              <a:rPr lang="en-GB" smtClean="0"/>
+              <a:t>messages in files</a:t>
+            </a:r>
+            <a:endParaRPr lang="en-GB" dirty="0"/>
+          </a:p>
+        </p:txBody>
+      </p:sp>
+    </p:spTree>
+    <p:extLst>
+      <p:ext uri="{BB962C8B-B14F-4D97-AF65-F5344CB8AC3E}">
+        <p14:creationId xmlns:p14="http://schemas.microsoft.com/office/powerpoint/2010/main" val="2830292325"/>
+      </p:ext>
+    </p:extLst>
+  </p:cSld>
+  <p:clrMapOvr>
+    <a:masterClrMapping/>
+  </p:clrMapOvr>
 </p:sld>
 </file>
 
@@ -3565,7 +3987,52 @@
           <a:p>
             <a:r>
               <a:rPr lang="en-GB" dirty="0" smtClean="0"/>
-              <a:t>Quiz</a:t>
+              <a:t>Task</a:t>
+            </a:r>
+            <a:endParaRPr lang="en-GB" dirty="0"/>
+          </a:p>
+        </p:txBody>
+      </p:sp>
+      <p:sp>
+        <p:nvSpPr>
+          <p:cNvPr id="3" name="Content Placeholder 2"/>
+          <p:cNvSpPr>
+            <a:spLocks noGrp="1"/>
+          </p:cNvSpPr>
+          <p:nvPr>
+            <p:ph idx="1"/>
+          </p:nvPr>
+        </p:nvSpPr>
+        <p:spPr/>
+        <p:txBody>
+          <a:bodyPr/>
+          <a:lstStyle/>
+          <a:p>
+            <a:r>
+              <a:rPr lang="en-GB" dirty="0"/>
+              <a:t>Go to </a:t>
+            </a:r>
+            <a:r>
+              <a:rPr lang="en-GB" dirty="0">
+                <a:hlinkClick r:id="rId2"/>
+              </a:rPr>
+              <a:t>https://</a:t>
+            </a:r>
+            <a:r>
+              <a:rPr lang="en-GB" dirty="0" smtClean="0">
+                <a:hlinkClick r:id="rId2"/>
+              </a:rPr>
+              <a:t>github.com/cpitcherark/lesson</a:t>
+            </a:r>
+            <a:endParaRPr lang="en-GB" dirty="0" smtClean="0"/>
+          </a:p>
+          <a:p>
+            <a:endParaRPr lang="en-GB" dirty="0"/>
+          </a:p>
+          <a:p>
+            <a:r>
+              <a:rPr lang="en-GB" dirty="0" smtClean="0"/>
+              <a:t>Download as zip and extract somewhere</a:t>
             </a:r>
             <a:endParaRPr lang="en-GB" dirty="0"/>
           </a:p>
@@ -3573,28 +4040,21 @@
       </p:sp>
       <p:pic>
         <p:nvPicPr>
-          <p:cNvPr id="5" name="Picture 4"/>
+          <p:cNvPr id="4" name="Picture 3"/>
           <p:cNvPicPr>
             <a:picLocks noChangeAspect="1"/>
           </p:cNvPicPr>
           <p:nvPr/>
         </p:nvPicPr>
-        <p:blipFill>
-          <a:blip r:embed="rId2">
-            <a:extLst>
-              <a:ext uri="{28A0092B-C50C-407E-A947-70E740481C1C}">
-                <a14:useLocalDpi xmlns:a14="http://schemas.microsoft.com/office/drawing/2010/main" val="0"/>
-              </a:ext>
-            </a:extLst>
-          </a:blip>
-          <a:stretch>
-            <a:fillRect/>
-          </a:stretch>
+        <p:blipFill rotWithShape="1">
+          <a:blip r:embed="rId3"/>
+          <a:srcRect l="11562" t="48721" r="12279"/>
+          <a:stretch/>
         </p:blipFill>
         <p:spPr>
           <a:xfrm>
-            <a:off x="0" y="971278"/>
-            <a:ext cx="9144000" cy="5886722"/>
+            <a:off x="37323" y="2929813"/>
+            <a:ext cx="9144000" cy="3281191"/>
           </a:xfrm>
           <a:prstGeom prst="rect">
             <a:avLst/>
@@ -3604,20 +4064,13 @@
     </p:spTree>
     <p:extLst>
       <p:ext uri="{BB962C8B-B14F-4D97-AF65-F5344CB8AC3E}">
-        <p14:creationId xmlns:p14="http://schemas.microsoft.com/office/powerpoint/2010/main" val="1979041592"/>
+        <p14:creationId xmlns:p14="http://schemas.microsoft.com/office/powerpoint/2010/main" val="607742544"/>
       </p:ext>
     </p:extLst>
   </p:cSld>
   <p:clrMapOvr>
     <a:masterClrMapping/>
   </p:clrMapOvr>
-  <p:timing>
-    <p:tnLst>
-      <p:par>
-        <p:cTn id="1" dur="indefinite" restart="never" nodeType="tmRoot"/>
-      </p:par>
-    </p:tnLst>
-  </p:timing>
 </p:sld>
 </file>
 

--- a/lesson.pptx
+++ b/lesson.pptx
@@ -5,7 +5,7 @@
     <p:sldMasterId id="2147483648" r:id="rId1"/>
   </p:sldMasterIdLst>
   <p:notesMasterIdLst>
-    <p:notesMasterId r:id="rId19"/>
+    <p:notesMasterId r:id="rId20"/>
   </p:notesMasterIdLst>
   <p:sldIdLst>
     <p:sldId id="260" r:id="rId2"/>
@@ -24,7 +24,8 @@
     <p:sldId id="293" r:id="rId15"/>
     <p:sldId id="303" r:id="rId16"/>
     <p:sldId id="301" r:id="rId17"/>
-    <p:sldId id="304" r:id="rId18"/>
+    <p:sldId id="305" r:id="rId18"/>
+    <p:sldId id="304" r:id="rId19"/>
   </p:sldIdLst>
   <p:sldSz cx="9144000" cy="6858000" type="screen4x3"/>
   <p:notesSz cx="6797675" cy="9926638"/>
@@ -2298,7 +2299,7 @@
           <a:p>
             <a:r>
               <a:rPr lang="en-GB" dirty="0" smtClean="0"/>
-              <a:t>RGB</a:t>
+              <a:t>RGB encoding</a:t>
             </a:r>
             <a:endParaRPr lang="en-GB" dirty="0"/>
           </a:p>
@@ -3000,6 +3001,13 @@
   <p:clrMapOvr>
     <a:masterClrMapping/>
   </p:clrMapOvr>
+  <p:timing>
+    <p:tnLst>
+      <p:par>
+        <p:cTn id="1" dur="indefinite" restart="never" nodeType="tmRoot"/>
+      </p:par>
+    </p:tnLst>
+  </p:timing>
 </p:sld>
 </file>
 
@@ -3037,7 +3045,7 @@
           <a:p>
             <a:r>
               <a:rPr lang="en-GB" dirty="0" smtClean="0"/>
-              <a:t>Summary</a:t>
+              <a:t>Task 3</a:t>
             </a:r>
             <a:endParaRPr lang="en-GB" dirty="0"/>
           </a:p>
@@ -3060,8 +3068,114 @@
           <a:p>
             <a:r>
               <a:rPr lang="en-GB" dirty="0" smtClean="0"/>
-              <a:t>All data is binary</a:t>
-            </a:r>
+              <a:t>Improve</a:t>
+            </a:r>
+            <a:r>
+              <a:rPr lang="en-GB" i="1" dirty="0" smtClean="0"/>
+              <a:t> steno.py </a:t>
+            </a:r>
+            <a:r>
+              <a:rPr lang="en-GB" dirty="0" smtClean="0"/>
+              <a:t>by allowing the user to input their own message</a:t>
+            </a:r>
+            <a:endParaRPr lang="en-GB" dirty="0"/>
+          </a:p>
+        </p:txBody>
+      </p:sp>
+    </p:spTree>
+    <p:extLst>
+      <p:ext uri="{BB962C8B-B14F-4D97-AF65-F5344CB8AC3E}">
+        <p14:creationId xmlns:p14="http://schemas.microsoft.com/office/powerpoint/2010/main" val="3156300235"/>
+      </p:ext>
+    </p:extLst>
+  </p:cSld>
+  <p:clrMapOvr>
+    <a:masterClrMapping/>
+  </p:clrMapOvr>
+  <p:timing>
+    <p:tnLst>
+      <p:par>
+        <p:cTn id="1" dur="indefinite" restart="never" nodeType="tmRoot"/>
+      </p:par>
+    </p:tnLst>
+  </p:timing>
+</p:sld>
+</file>
+
+<file path=ppt/slides/slide18.xml><?xml version="1.0" encoding="utf-8"?>
+<p:sld xmlns:a="http://schemas.openxmlformats.org/drawingml/2006/main" xmlns:r="http://schemas.openxmlformats.org/officeDocument/2006/relationships" xmlns:p="http://schemas.openxmlformats.org/presentationml/2006/main">
+  <p:cSld>
+    <p:spTree>
+      <p:nvGrpSpPr>
+        <p:cNvPr id="1" name=""/>
+        <p:cNvGrpSpPr/>
+        <p:nvPr/>
+      </p:nvGrpSpPr>
+      <p:grpSpPr>
+        <a:xfrm>
+          <a:off x="0" y="0"/>
+          <a:ext cx="0" cy="0"/>
+          <a:chOff x="0" y="0"/>
+          <a:chExt cx="0" cy="0"/>
+        </a:xfrm>
+      </p:grpSpPr>
+      <p:sp>
+        <p:nvSpPr>
+          <p:cNvPr id="2" name="Title 1"/>
+          <p:cNvSpPr>
+            <a:spLocks noGrp="1"/>
+          </p:cNvSpPr>
+          <p:nvPr>
+            <p:ph type="title"/>
+          </p:nvPr>
+        </p:nvSpPr>
+        <p:spPr/>
+        <p:txBody>
+          <a:bodyPr/>
+          <a:lstStyle/>
+          <a:p>
+            <a:r>
+              <a:rPr lang="en-GB" dirty="0" smtClean="0"/>
+              <a:t>Summary</a:t>
+            </a:r>
+            <a:endParaRPr lang="en-GB" dirty="0"/>
+          </a:p>
+        </p:txBody>
+      </p:sp>
+      <p:sp>
+        <p:nvSpPr>
+          <p:cNvPr id="3" name="Content Placeholder 2"/>
+          <p:cNvSpPr>
+            <a:spLocks noGrp="1"/>
+          </p:cNvSpPr>
+          <p:nvPr>
+            <p:ph idx="1"/>
+          </p:nvPr>
+        </p:nvSpPr>
+        <p:spPr/>
+        <p:txBody>
+          <a:bodyPr/>
+          <a:lstStyle/>
+          <a:p>
+            <a:r>
+              <a:rPr lang="en-GB" dirty="0" smtClean="0"/>
+              <a:t>All data is </a:t>
+            </a:r>
+            <a:r>
+              <a:rPr lang="en-GB" dirty="0" smtClean="0"/>
+              <a:t>binary</a:t>
+            </a:r>
+          </a:p>
+          <a:p>
+            <a:r>
+              <a:rPr lang="en-GB" dirty="0" smtClean="0"/>
+              <a:t>What the data means depends on the </a:t>
+            </a:r>
+            <a:r>
+              <a:rPr lang="en-GB" b="1" i="1" dirty="0" smtClean="0"/>
+              <a:t>encoding</a:t>
+            </a:r>
+            <a:endParaRPr lang="en-GB" b="1" i="1" dirty="0" smtClean="0"/>
           </a:p>
           <a:p>
             <a:r>
@@ -3072,17 +3186,21 @@
           <a:p>
             <a:r>
               <a:rPr lang="en-GB" dirty="0" smtClean="0"/>
-              <a:t>Bitmap images have redundant data</a:t>
-            </a:r>
-          </a:p>
-          <a:p>
-            <a:r>
-              <a:rPr lang="en-GB" dirty="0" smtClean="0"/>
-              <a:t>We can use redundant data to hide secret </a:t>
-            </a:r>
-            <a:r>
-              <a:rPr lang="en-GB" smtClean="0"/>
-              <a:t>messages in files</a:t>
+              <a:t>Bitmap images have </a:t>
+            </a:r>
+            <a:r>
+              <a:rPr lang="en-GB" b="1" i="1" dirty="0" smtClean="0"/>
+              <a:t>redundant</a:t>
+            </a:r>
+            <a:r>
+              <a:rPr lang="en-GB" dirty="0" smtClean="0"/>
+              <a:t> data</a:t>
+            </a:r>
+          </a:p>
+          <a:p>
+            <a:r>
+              <a:rPr lang="en-GB" dirty="0" smtClean="0"/>
+              <a:t>We can use redundant data to hide secret messages in files</a:t>
             </a:r>
             <a:endParaRPr lang="en-GB" dirty="0"/>
           </a:p>
@@ -3098,6 +3216,13 @@
   <p:clrMapOvr>
     <a:masterClrMapping/>
   </p:clrMapOvr>
+  <p:timing>
+    <p:tnLst>
+      <p:par>
+        <p:cTn id="1" dur="indefinite" restart="never" nodeType="tmRoot"/>
+      </p:par>
+    </p:tnLst>
+  </p:timing>
 </p:sld>
 </file>
 
@@ -3259,12 +3384,21 @@
           <a:p>
             <a:r>
               <a:rPr lang="en-GB" dirty="0" smtClean="0"/>
-              <a:t>Eights bits in one </a:t>
-            </a:r>
-            <a:r>
-              <a:rPr lang="en-GB" b="1" dirty="0" smtClean="0"/>
+              <a:t>Eights bits </a:t>
+            </a:r>
+            <a:r>
+              <a:rPr lang="en-GB" dirty="0" smtClean="0"/>
+              <a:t>is </a:t>
+            </a:r>
+            <a:r>
+              <a:rPr lang="en-GB" smtClean="0"/>
+              <a:t>one </a:t>
+            </a:r>
+            <a:r>
+              <a:rPr lang="en-GB" smtClean="0"/>
               <a:t>byte</a:t>
             </a:r>
+            <a:endParaRPr lang="en-GB" b="1" dirty="0" smtClean="0"/>
           </a:p>
         </p:txBody>
       </p:sp>
@@ -3278,6 +3412,13 @@
   <p:clrMapOvr>
     <a:masterClrMapping/>
   </p:clrMapOvr>
+  <p:timing>
+    <p:tnLst>
+      <p:par>
+        <p:cTn id="1" dur="indefinite" restart="never" nodeType="tmRoot"/>
+      </p:par>
+    </p:tnLst>
+  </p:timing>
 </p:sld>
 </file>
 
@@ -3414,8 +3555,8 @@
         </p:nvSpPr>
         <p:spPr>
           <a:xfrm>
-            <a:off x="2304660" y="4627987"/>
-            <a:ext cx="4534678" cy="707886"/>
+            <a:off x="1665512" y="5101527"/>
+            <a:ext cx="5812974" cy="707886"/>
           </a:xfrm>
           <a:prstGeom prst="rect">
             <a:avLst/>
@@ -3441,18 +3582,229 @@
           </a:bodyPr>
           <a:lstStyle/>
           <a:p>
+            <a:pPr algn="ctr"/>
             <a:r>
               <a:rPr lang="en-GB" sz="4000" dirty="0" smtClean="0"/>
               <a:t>Depends on the </a:t>
             </a:r>
             <a:r>
               <a:rPr lang="en-GB" sz="4000" b="1" i="1" dirty="0" smtClean="0"/>
-              <a:t>type</a:t>
+              <a:t>encoding</a:t>
             </a:r>
             <a:endParaRPr lang="en-GB" sz="4000" b="1" i="1" dirty="0"/>
           </a:p>
         </p:txBody>
       </p:sp>
+      <p:sp>
+        <p:nvSpPr>
+          <p:cNvPr id="5" name="Rectangle 4"/>
+          <p:cNvSpPr/>
+          <p:nvPr/>
+        </p:nvSpPr>
+        <p:spPr>
+          <a:xfrm>
+            <a:off x="1527225" y="3071548"/>
+            <a:ext cx="930063" cy="1569660"/>
+          </a:xfrm>
+          <a:prstGeom prst="rect">
+            <a:avLst/>
+          </a:prstGeom>
+          <a:noFill/>
+        </p:spPr>
+        <p:txBody>
+          <a:bodyPr wrap="none" lIns="91440" tIns="45720" rIns="91440" bIns="45720">
+            <a:spAutoFit/>
+          </a:bodyPr>
+          <a:lstStyle/>
+          <a:p>
+            <a:pPr algn="ctr"/>
+            <a:r>
+              <a:rPr lang="en-US" sz="9600" b="1" cap="none" spc="0" dirty="0" smtClean="0">
+                <a:ln w="9525">
+                  <a:solidFill>
+                    <a:schemeClr val="bg1"/>
+                  </a:solidFill>
+                  <a:prstDash val="solid"/>
+                </a:ln>
+                <a:solidFill>
+                  <a:schemeClr val="tx1"/>
+                </a:solidFill>
+                <a:effectLst>
+                  <a:outerShdw blurRad="12700" dist="38100" dir="2700000" algn="tl" rotWithShape="0">
+                    <a:schemeClr val="bg1">
+                      <a:lumMod val="50000"/>
+                    </a:schemeClr>
+                  </a:outerShdw>
+                </a:effectLst>
+              </a:rPr>
+              <a:t>A</a:t>
+            </a:r>
+            <a:endParaRPr lang="en-US" sz="9600" b="1" cap="none" spc="0" dirty="0">
+              <a:ln w="9525">
+                <a:solidFill>
+                  <a:schemeClr val="bg1"/>
+                </a:solidFill>
+                <a:prstDash val="solid"/>
+              </a:ln>
+              <a:solidFill>
+                <a:schemeClr val="tx1"/>
+              </a:solidFill>
+              <a:effectLst>
+                <a:outerShdw blurRad="12700" dist="38100" dir="2700000" algn="tl" rotWithShape="0">
+                  <a:schemeClr val="bg1">
+                    <a:lumMod val="50000"/>
+                  </a:schemeClr>
+                </a:outerShdw>
+              </a:effectLst>
+            </a:endParaRPr>
+          </a:p>
+        </p:txBody>
+      </p:sp>
+      <p:sp>
+        <p:nvSpPr>
+          <p:cNvPr id="7" name="Rectangle 6"/>
+          <p:cNvSpPr/>
+          <p:nvPr/>
+        </p:nvSpPr>
+        <p:spPr>
+          <a:xfrm>
+            <a:off x="1839141" y="1601694"/>
+            <a:ext cx="1431802" cy="1569660"/>
+          </a:xfrm>
+          <a:prstGeom prst="rect">
+            <a:avLst/>
+          </a:prstGeom>
+          <a:noFill/>
+        </p:spPr>
+        <p:txBody>
+          <a:bodyPr wrap="none" lIns="91440" tIns="45720" rIns="91440" bIns="45720">
+            <a:spAutoFit/>
+          </a:bodyPr>
+          <a:lstStyle/>
+          <a:p>
+            <a:pPr algn="ctr"/>
+            <a:r>
+              <a:rPr lang="en-US" sz="9600" dirty="0" smtClean="0">
+                <a:ln w="0"/>
+                <a:solidFill>
+                  <a:schemeClr val="accent1"/>
+                </a:solidFill>
+                <a:effectLst>
+                  <a:outerShdw blurRad="38100" dist="25400" dir="5400000" algn="ctr" rotWithShape="0">
+                    <a:srgbClr val="6E747A">
+                      <a:alpha val="43000"/>
+                    </a:srgbClr>
+                  </a:outerShdw>
+                </a:effectLst>
+              </a:rPr>
+              <a:t>65</a:t>
+            </a:r>
+            <a:endParaRPr lang="en-US" sz="9600" dirty="0">
+              <a:ln w="0"/>
+              <a:solidFill>
+                <a:schemeClr val="accent1"/>
+              </a:solidFill>
+              <a:effectLst>
+                <a:outerShdw blurRad="38100" dist="25400" dir="5400000" algn="ctr" rotWithShape="0">
+                  <a:srgbClr val="6E747A">
+                    <a:alpha val="43000"/>
+                  </a:srgbClr>
+                </a:outerShdw>
+              </a:effectLst>
+            </a:endParaRPr>
+          </a:p>
+        </p:txBody>
+      </p:sp>
+      <p:pic>
+        <p:nvPicPr>
+          <p:cNvPr id="8" name="Picture 7"/>
+          <p:cNvPicPr>
+            <a:picLocks noChangeAspect="1"/>
+          </p:cNvPicPr>
+          <p:nvPr/>
+        </p:nvPicPr>
+        <p:blipFill>
+          <a:blip r:embed="rId2">
+            <a:extLst>
+              <a:ext uri="{28A0092B-C50C-407E-A947-70E740481C1C}">
+                <a14:useLocalDpi xmlns:a14="http://schemas.microsoft.com/office/drawing/2010/main" val="0"/>
+              </a:ext>
+            </a:extLst>
+          </a:blip>
+          <a:stretch>
+            <a:fillRect/>
+          </a:stretch>
+        </p:blipFill>
+        <p:spPr>
+          <a:xfrm>
+            <a:off x="3945429" y="1486983"/>
+            <a:ext cx="2328275" cy="1244172"/>
+          </a:xfrm>
+          <a:prstGeom prst="rect">
+            <a:avLst/>
+          </a:prstGeom>
+        </p:spPr>
+      </p:pic>
+      <p:pic>
+        <p:nvPicPr>
+          <p:cNvPr id="9" name="Picture 8"/>
+          <p:cNvPicPr>
+            <a:picLocks noChangeAspect="1"/>
+          </p:cNvPicPr>
+          <p:nvPr/>
+        </p:nvPicPr>
+        <p:blipFill>
+          <a:blip r:embed="rId3">
+            <a:extLst>
+              <a:ext uri="{28A0092B-C50C-407E-A947-70E740481C1C}">
+                <a14:useLocalDpi xmlns:a14="http://schemas.microsoft.com/office/drawing/2010/main" val="0"/>
+              </a:ext>
+            </a:extLst>
+          </a:blip>
+          <a:stretch>
+            <a:fillRect/>
+          </a:stretch>
+        </p:blipFill>
+        <p:spPr>
+          <a:xfrm>
+            <a:off x="6743049" y="1783747"/>
+            <a:ext cx="1617961" cy="1371222"/>
+          </a:xfrm>
+          <a:prstGeom prst="rect">
+            <a:avLst/>
+          </a:prstGeom>
+        </p:spPr>
+      </p:pic>
+      <p:pic>
+        <p:nvPicPr>
+          <p:cNvPr id="10" name="Content Placeholder 4"/>
+          <p:cNvPicPr>
+            <a:picLocks noChangeAspect="1"/>
+          </p:cNvPicPr>
+          <p:nvPr/>
+        </p:nvPicPr>
+        <p:blipFill>
+          <a:blip r:embed="rId4" cstate="email">
+            <a:extLst>
+              <a:ext uri="{28A0092B-C50C-407E-A947-70E740481C1C}">
+                <a14:useLocalDpi xmlns:a14="http://schemas.microsoft.com/office/drawing/2010/main"/>
+              </a:ext>
+            </a:extLst>
+          </a:blip>
+          <a:stretch>
+            <a:fillRect/>
+          </a:stretch>
+        </p:blipFill>
+        <p:spPr>
+          <a:xfrm>
+            <a:off x="6456206" y="3471392"/>
+            <a:ext cx="1183746" cy="1477315"/>
+          </a:xfrm>
+          <a:prstGeom prst="rect">
+            <a:avLst/>
+          </a:prstGeom>
+        </p:spPr>
+      </p:pic>
     </p:spTree>
     <p:extLst>
       <p:ext uri="{BB962C8B-B14F-4D97-AF65-F5344CB8AC3E}">
@@ -3492,6 +3844,231 @@
                                     <p:set>
                                       <p:cBhvr>
                                         <p:cTn id="6" dur="1" fill="hold">
+                                          <p:stCondLst>
+                                            <p:cond delay="0"/>
+                                          </p:stCondLst>
+                                        </p:cTn>
+                                        <p:tgtEl>
+                                          <p:spTgt spid="5"/>
+                                        </p:tgtEl>
+                                        <p:attrNameLst>
+                                          <p:attrName>style.visibility</p:attrName>
+                                        </p:attrNameLst>
+                                      </p:cBhvr>
+                                      <p:to>
+                                        <p:strVal val="visible"/>
+                                      </p:to>
+                                    </p:set>
+                                  </p:childTnLst>
+                                </p:cTn>
+                              </p:par>
+                            </p:childTnLst>
+                          </p:cTn>
+                        </p:par>
+                      </p:childTnLst>
+                    </p:cTn>
+                  </p:par>
+                  <p:par>
+                    <p:cTn id="7" fill="hold">
+                      <p:stCondLst>
+                        <p:cond delay="indefinite"/>
+                      </p:stCondLst>
+                      <p:childTnLst>
+                        <p:par>
+                          <p:cTn id="8" fill="hold">
+                            <p:stCondLst>
+                              <p:cond delay="0"/>
+                            </p:stCondLst>
+                            <p:childTnLst>
+                              <p:par>
+                                <p:cTn id="9" presetID="1" presetClass="entr" presetSubtype="0" fill="hold" grpId="0" nodeType="clickEffect">
+                                  <p:stCondLst>
+                                    <p:cond delay="0"/>
+                                  </p:stCondLst>
+                                  <p:childTnLst>
+                                    <p:set>
+                                      <p:cBhvr>
+                                        <p:cTn id="10" dur="1" fill="hold">
+                                          <p:stCondLst>
+                                            <p:cond delay="0"/>
+                                          </p:stCondLst>
+                                        </p:cTn>
+                                        <p:tgtEl>
+                                          <p:spTgt spid="7"/>
+                                        </p:tgtEl>
+                                        <p:attrNameLst>
+                                          <p:attrName>style.visibility</p:attrName>
+                                        </p:attrNameLst>
+                                      </p:cBhvr>
+                                      <p:to>
+                                        <p:strVal val="visible"/>
+                                      </p:to>
+                                    </p:set>
+                                  </p:childTnLst>
+                                </p:cTn>
+                              </p:par>
+                            </p:childTnLst>
+                          </p:cTn>
+                        </p:par>
+                      </p:childTnLst>
+                    </p:cTn>
+                  </p:par>
+                  <p:par>
+                    <p:cTn id="11" fill="hold">
+                      <p:stCondLst>
+                        <p:cond delay="indefinite"/>
+                      </p:stCondLst>
+                      <p:childTnLst>
+                        <p:par>
+                          <p:cTn id="12" fill="hold">
+                            <p:stCondLst>
+                              <p:cond delay="0"/>
+                            </p:stCondLst>
+                            <p:childTnLst>
+                              <p:par>
+                                <p:cTn id="13" presetID="1" presetClass="entr" presetSubtype="0" fill="hold" nodeType="clickEffect">
+                                  <p:stCondLst>
+                                    <p:cond delay="0"/>
+                                  </p:stCondLst>
+                                  <p:childTnLst>
+                                    <p:set>
+                                      <p:cBhvr>
+                                        <p:cTn id="14" dur="1" fill="hold">
+                                          <p:stCondLst>
+                                            <p:cond delay="0"/>
+                                          </p:stCondLst>
+                                        </p:cTn>
+                                        <p:tgtEl>
+                                          <p:spTgt spid="8"/>
+                                        </p:tgtEl>
+                                        <p:attrNameLst>
+                                          <p:attrName>style.visibility</p:attrName>
+                                        </p:attrNameLst>
+                                      </p:cBhvr>
+                                      <p:to>
+                                        <p:strVal val="visible"/>
+                                      </p:to>
+                                    </p:set>
+                                  </p:childTnLst>
+                                </p:cTn>
+                              </p:par>
+                            </p:childTnLst>
+                          </p:cTn>
+                        </p:par>
+                      </p:childTnLst>
+                    </p:cTn>
+                  </p:par>
+                  <p:par>
+                    <p:cTn id="15" fill="hold">
+                      <p:stCondLst>
+                        <p:cond delay="indefinite"/>
+                      </p:stCondLst>
+                      <p:childTnLst>
+                        <p:par>
+                          <p:cTn id="16" fill="hold">
+                            <p:stCondLst>
+                              <p:cond delay="0"/>
+                            </p:stCondLst>
+                            <p:childTnLst>
+                              <p:par>
+                                <p:cTn id="17" presetID="1" presetClass="entr" presetSubtype="0" fill="hold" nodeType="clickEffect">
+                                  <p:stCondLst>
+                                    <p:cond delay="0"/>
+                                  </p:stCondLst>
+                                  <p:childTnLst>
+                                    <p:set>
+                                      <p:cBhvr>
+                                        <p:cTn id="18" dur="1" fill="hold">
+                                          <p:stCondLst>
+                                            <p:cond delay="0"/>
+                                          </p:stCondLst>
+                                        </p:cTn>
+                                        <p:tgtEl>
+                                          <p:spTgt spid="9"/>
+                                        </p:tgtEl>
+                                        <p:attrNameLst>
+                                          <p:attrName>style.visibility</p:attrName>
+                                        </p:attrNameLst>
+                                      </p:cBhvr>
+                                      <p:to>
+                                        <p:strVal val="visible"/>
+                                      </p:to>
+                                    </p:set>
+                                  </p:childTnLst>
+                                </p:cTn>
+                              </p:par>
+                            </p:childTnLst>
+                          </p:cTn>
+                        </p:par>
+                      </p:childTnLst>
+                    </p:cTn>
+                  </p:par>
+                  <p:par>
+                    <p:cTn id="19" fill="hold">
+                      <p:stCondLst>
+                        <p:cond delay="indefinite"/>
+                      </p:stCondLst>
+                      <p:childTnLst>
+                        <p:par>
+                          <p:cTn id="20" fill="hold">
+                            <p:stCondLst>
+                              <p:cond delay="0"/>
+                            </p:stCondLst>
+                            <p:childTnLst>
+                              <p:par>
+                                <p:cTn id="21" presetID="1" presetClass="entr" presetSubtype="0" fill="hold" nodeType="clickEffect">
+                                  <p:stCondLst>
+                                    <p:cond delay="0"/>
+                                  </p:stCondLst>
+                                  <p:childTnLst>
+                                    <p:set>
+                                      <p:cBhvr>
+                                        <p:cTn id="22" dur="1" fill="hold">
+                                          <p:stCondLst>
+                                            <p:cond delay="0"/>
+                                          </p:stCondLst>
+                                        </p:cTn>
+                                        <p:tgtEl>
+                                          <p:spTgt spid="10"/>
+                                        </p:tgtEl>
+                                        <p:attrNameLst>
+                                          <p:attrName>style.visibility</p:attrName>
+                                        </p:attrNameLst>
+                                      </p:cBhvr>
+                                      <p:to>
+                                        <p:strVal val="visible"/>
+                                      </p:to>
+                                    </p:set>
+                                  </p:childTnLst>
+                                </p:cTn>
+                              </p:par>
+                            </p:childTnLst>
+                          </p:cTn>
+                        </p:par>
+                      </p:childTnLst>
+                    </p:cTn>
+                  </p:par>
+                  <p:par>
+                    <p:cTn id="23" fill="hold">
+                      <p:stCondLst>
+                        <p:cond delay="indefinite"/>
+                      </p:stCondLst>
+                      <p:childTnLst>
+                        <p:par>
+                          <p:cTn id="24" fill="hold">
+                            <p:stCondLst>
+                              <p:cond delay="0"/>
+                            </p:stCondLst>
+                            <p:childTnLst>
+                              <p:par>
+                                <p:cTn id="25" presetID="1" presetClass="entr" presetSubtype="0" fill="hold" grpId="0" nodeType="clickEffect">
+                                  <p:stCondLst>
+                                    <p:cond delay="0"/>
+                                  </p:stCondLst>
+                                  <p:childTnLst>
+                                    <p:set>
+                                      <p:cBhvr>
+                                        <p:cTn id="26" dur="1" fill="hold">
                                           <p:stCondLst>
                                             <p:cond delay="0"/>
                                           </p:stCondLst>
@@ -3539,6 +4116,8 @@
     </p:tnLst>
     <p:bldLst>
       <p:bldP spid="6" grpId="0" animBg="1"/>
+      <p:bldP spid="5" grpId="0"/>
+      <p:bldP spid="7" grpId="0"/>
     </p:bldLst>
   </p:timing>
 </p:sld>
@@ -3910,7 +4489,11 @@
           <a:p>
             <a:r>
               <a:rPr lang="en-GB" dirty="0" smtClean="0"/>
-              <a:t>Python functions for data types</a:t>
+              <a:t>Python functions </a:t>
+            </a:r>
+            <a:r>
+              <a:rPr lang="en-GB" dirty="0" smtClean="0"/>
+              <a:t>to know</a:t>
             </a:r>
             <a:endParaRPr lang="en-GB" dirty="0"/>
           </a:p>
